--- a/Sunum.pptx
+++ b/Sunum.pptx
@@ -11,6 +11,7 @@
     <p:sldId id="259" r:id="rId5"/>
     <p:sldId id="260" r:id="rId6"/>
     <p:sldId id="261" r:id="rId7"/>
+    <p:sldId id="262" r:id="rId8"/>
   </p:sldIdLst>
   <p:sldSz cx="12192000" cy="6858000"/>
   <p:notesSz cx="6858000" cy="9144000"/>
@@ -109,6 +110,11 @@
       </a:defRPr>
     </a:lvl9pPr>
   </p:defaultTextStyle>
+  <p:extLst>
+    <p:ext uri="{EFAFB233-063F-42B5-8137-9DF3F51BA10A}">
+      <p15:sldGuideLst xmlns:p15="http://schemas.microsoft.com/office/powerpoint/2012/main"/>
+    </p:ext>
+  </p:extLst>
 </p:presentation>
 </file>
 
@@ -259,7 +265,7 @@
           <a:p>
             <a:fld id="{23FB74CD-7E1C-5F4C-B4FF-237D00703400}" type="datetimeFigureOut">
               <a:rPr lang="tr-TR" smtClean="0"/>
-              <a:t>28.07.2025</a:t>
+              <a:t>11.08.2025</a:t>
             </a:fld>
             <a:endParaRPr lang="tr-TR"/>
           </a:p>
@@ -457,7 +463,7 @@
           <a:p>
             <a:fld id="{23FB74CD-7E1C-5F4C-B4FF-237D00703400}" type="datetimeFigureOut">
               <a:rPr lang="tr-TR" smtClean="0"/>
-              <a:t>28.07.2025</a:t>
+              <a:t>11.08.2025</a:t>
             </a:fld>
             <a:endParaRPr lang="tr-TR"/>
           </a:p>
@@ -665,7 +671,7 @@
           <a:p>
             <a:fld id="{23FB74CD-7E1C-5F4C-B4FF-237D00703400}" type="datetimeFigureOut">
               <a:rPr lang="tr-TR" smtClean="0"/>
-              <a:t>28.07.2025</a:t>
+              <a:t>11.08.2025</a:t>
             </a:fld>
             <a:endParaRPr lang="tr-TR"/>
           </a:p>
@@ -863,7 +869,7 @@
           <a:p>
             <a:fld id="{23FB74CD-7E1C-5F4C-B4FF-237D00703400}" type="datetimeFigureOut">
               <a:rPr lang="tr-TR" smtClean="0"/>
-              <a:t>28.07.2025</a:t>
+              <a:t>11.08.2025</a:t>
             </a:fld>
             <a:endParaRPr lang="tr-TR"/>
           </a:p>
@@ -1138,7 +1144,7 @@
           <a:p>
             <a:fld id="{23FB74CD-7E1C-5F4C-B4FF-237D00703400}" type="datetimeFigureOut">
               <a:rPr lang="tr-TR" smtClean="0"/>
-              <a:t>28.07.2025</a:t>
+              <a:t>11.08.2025</a:t>
             </a:fld>
             <a:endParaRPr lang="tr-TR"/>
           </a:p>
@@ -1403,7 +1409,7 @@
           <a:p>
             <a:fld id="{23FB74CD-7E1C-5F4C-B4FF-237D00703400}" type="datetimeFigureOut">
               <a:rPr lang="tr-TR" smtClean="0"/>
-              <a:t>28.07.2025</a:t>
+              <a:t>11.08.2025</a:t>
             </a:fld>
             <a:endParaRPr lang="tr-TR"/>
           </a:p>
@@ -1815,7 +1821,7 @@
           <a:p>
             <a:fld id="{23FB74CD-7E1C-5F4C-B4FF-237D00703400}" type="datetimeFigureOut">
               <a:rPr lang="tr-TR" smtClean="0"/>
-              <a:t>28.07.2025</a:t>
+              <a:t>11.08.2025</a:t>
             </a:fld>
             <a:endParaRPr lang="tr-TR"/>
           </a:p>
@@ -1956,7 +1962,7 @@
           <a:p>
             <a:fld id="{23FB74CD-7E1C-5F4C-B4FF-237D00703400}" type="datetimeFigureOut">
               <a:rPr lang="tr-TR" smtClean="0"/>
-              <a:t>28.07.2025</a:t>
+              <a:t>11.08.2025</a:t>
             </a:fld>
             <a:endParaRPr lang="tr-TR"/>
           </a:p>
@@ -2069,7 +2075,7 @@
           <a:p>
             <a:fld id="{23FB74CD-7E1C-5F4C-B4FF-237D00703400}" type="datetimeFigureOut">
               <a:rPr lang="tr-TR" smtClean="0"/>
-              <a:t>28.07.2025</a:t>
+              <a:t>11.08.2025</a:t>
             </a:fld>
             <a:endParaRPr lang="tr-TR"/>
           </a:p>
@@ -2380,7 +2386,7 @@
           <a:p>
             <a:fld id="{23FB74CD-7E1C-5F4C-B4FF-237D00703400}" type="datetimeFigureOut">
               <a:rPr lang="tr-TR" smtClean="0"/>
-              <a:t>28.07.2025</a:t>
+              <a:t>11.08.2025</a:t>
             </a:fld>
             <a:endParaRPr lang="tr-TR"/>
           </a:p>
@@ -2668,7 +2674,7 @@
           <a:p>
             <a:fld id="{23FB74CD-7E1C-5F4C-B4FF-237D00703400}" type="datetimeFigureOut">
               <a:rPr lang="tr-TR" smtClean="0"/>
-              <a:t>28.07.2025</a:t>
+              <a:t>11.08.2025</a:t>
             </a:fld>
             <a:endParaRPr lang="tr-TR"/>
           </a:p>
@@ -2909,7 +2915,7 @@
           <a:p>
             <a:fld id="{23FB74CD-7E1C-5F4C-B4FF-237D00703400}" type="datetimeFigureOut">
               <a:rPr lang="tr-TR" smtClean="0"/>
-              <a:t>28.07.2025</a:t>
+              <a:t>11.08.2025</a:t>
             </a:fld>
             <a:endParaRPr lang="tr-TR"/>
           </a:p>
@@ -3348,37 +3354,34 @@
           <a:lstStyle/>
           <a:p>
             <a:r>
-              <a:rPr lang="tr-TR" dirty="0"/>
-              <a:t>YAP 470 Projesi</a:t>
-            </a:r>
-          </a:p>
-        </p:txBody>
-      </p:sp>
-      <p:sp>
-        <p:nvSpPr>
-          <p:cNvPr id="3" name="Alt Başlık 2">
-            <a:extLst>
-              <a:ext uri="{FF2B5EF4-FFF2-40B4-BE49-F238E27FC236}">
-                <a16:creationId xmlns:a16="http://schemas.microsoft.com/office/drawing/2014/main" id="{52344B06-E8A7-C90C-BB97-69B02BD31AC4}"/>
-              </a:ext>
-            </a:extLst>
-          </p:cNvPr>
-          <p:cNvSpPr>
-            <a:spLocks noGrp="1"/>
-          </p:cNvSpPr>
-          <p:nvPr>
-            <p:ph type="subTitle" idx="1"/>
-          </p:nvPr>
-        </p:nvSpPr>
-        <p:spPr/>
-        <p:txBody>
-          <a:bodyPr/>
-          <a:lstStyle/>
-          <a:p>
-            <a:r>
               <a:rPr lang="tr-TR" dirty="0" err="1"/>
               <a:t>SpoilScan</a:t>
             </a:r>
+            <a:endParaRPr lang="tr-TR" dirty="0"/>
+          </a:p>
+        </p:txBody>
+      </p:sp>
+      <p:sp>
+        <p:nvSpPr>
+          <p:cNvPr id="3" name="Alt Başlık 2">
+            <a:extLst>
+              <a:ext uri="{FF2B5EF4-FFF2-40B4-BE49-F238E27FC236}">
+                <a16:creationId xmlns:a16="http://schemas.microsoft.com/office/drawing/2014/main" id="{52344B06-E8A7-C90C-BB97-69B02BD31AC4}"/>
+              </a:ext>
+            </a:extLst>
+          </p:cNvPr>
+          <p:cNvSpPr>
+            <a:spLocks noGrp="1"/>
+          </p:cNvSpPr>
+          <p:nvPr>
+            <p:ph type="subTitle" idx="1"/>
+          </p:nvPr>
+        </p:nvSpPr>
+        <p:spPr/>
+        <p:txBody>
+          <a:bodyPr/>
+          <a:lstStyle/>
+          <a:p>
             <a:endParaRPr lang="tr-TR" dirty="0"/>
           </a:p>
         </p:txBody>
@@ -3440,6 +3443,14 @@
 <file path=ppt/slides/slide2.xml><?xml version="1.0" encoding="utf-8"?>
 <p:sld xmlns:a="http://schemas.openxmlformats.org/drawingml/2006/main" xmlns:r="http://schemas.openxmlformats.org/officeDocument/2006/relationships" xmlns:p="http://schemas.openxmlformats.org/presentationml/2006/main">
   <p:cSld>
+    <p:bg>
+      <p:bgPr>
+        <a:solidFill>
+          <a:schemeClr val="bg1"/>
+        </a:solidFill>
+        <a:effectLst/>
+      </p:bgPr>
+    </p:bg>
     <p:spTree>
       <p:nvGrpSpPr>
         <p:cNvPr id="1" name=""/>
@@ -3454,12 +3465,72 @@
           <a:chExt cx="0" cy="0"/>
         </a:xfrm>
       </p:grpSpPr>
+      <p:sp useBgFill="1">
+        <p:nvSpPr>
+          <p:cNvPr id="12" name="Rectangle 11">
+            <a:extLst>
+              <a:ext uri="{FF2B5EF4-FFF2-40B4-BE49-F238E27FC236}">
+                <a16:creationId xmlns:a16="http://schemas.microsoft.com/office/drawing/2014/main" id="{99ED5833-B85B-4103-8A3B-CAB0308E6C15}"/>
+              </a:ext>
+              <a:ext uri="{C183D7F6-B498-43B3-948B-1728B52AA6E4}">
+                <adec:decorative xmlns:adec="http://schemas.microsoft.com/office/drawing/2017/decorative" val="1"/>
+              </a:ext>
+            </a:extLst>
+          </p:cNvPr>
+          <p:cNvSpPr>
+            <a:spLocks noGrp="1" noRot="1" noChangeAspect="1" noMove="1" noResize="1" noEditPoints="1" noAdjustHandles="1" noChangeArrowheads="1" noChangeShapeType="1" noTextEdit="1"/>
+          </p:cNvSpPr>
+          <p:nvPr>
+            <p:extLst>
+              <p:ext uri="{386F3935-93C4-4BCD-93E2-E3B085C9AB24}">
+                <p16:designElem xmlns:p16="http://schemas.microsoft.com/office/powerpoint/2015/main" val="1"/>
+              </p:ext>
+            </p:extLst>
+          </p:nvPr>
+        </p:nvSpPr>
+        <p:spPr>
+          <a:xfrm>
+            <a:off x="-1" y="0"/>
+            <a:ext cx="12188952" cy="6858000"/>
+          </a:xfrm>
+          <a:prstGeom prst="rect">
+            <a:avLst/>
+          </a:prstGeom>
+          <a:ln>
+            <a:noFill/>
+          </a:ln>
+        </p:spPr>
+        <p:style>
+          <a:lnRef idx="2">
+            <a:schemeClr val="accent1">
+              <a:shade val="50000"/>
+            </a:schemeClr>
+          </a:lnRef>
+          <a:fillRef idx="1">
+            <a:schemeClr val="accent1"/>
+          </a:fillRef>
+          <a:effectRef idx="0">
+            <a:schemeClr val="accent1"/>
+          </a:effectRef>
+          <a:fontRef idx="minor">
+            <a:schemeClr val="lt1"/>
+          </a:fontRef>
+        </p:style>
+        <p:txBody>
+          <a:bodyPr rtlCol="0" anchor="ctr"/>
+          <a:lstStyle/>
+          <a:p>
+            <a:pPr algn="ctr"/>
+            <a:endParaRPr lang="en-US"/>
+          </a:p>
+        </p:txBody>
+      </p:sp>
       <p:sp>
         <p:nvSpPr>
           <p:cNvPr id="2" name="Başlık 1">
             <a:extLst>
               <a:ext uri="{FF2B5EF4-FFF2-40B4-BE49-F238E27FC236}">
-                <a16:creationId xmlns:a16="http://schemas.microsoft.com/office/drawing/2014/main" id="{41561922-4A33-EBF0-57B8-4E3C3CEA1BAC}"/>
+                <a16:creationId xmlns:a16="http://schemas.microsoft.com/office/drawing/2014/main" id="{D58FF182-92BB-4BC5-7B2C-F9E5CE11529B}"/>
               </a:ext>
             </a:extLst>
           </p:cNvPr>
@@ -3470,78 +3541,116 @@
             <p:ph type="title"/>
           </p:nvPr>
         </p:nvSpPr>
-        <p:spPr/>
-        <p:txBody>
-          <a:bodyPr/>
-          <a:lstStyle/>
-          <a:p>
-            <a:r>
-              <a:rPr lang="tr-TR" dirty="0" err="1"/>
-              <a:t>SpoilScan</a:t>
-            </a:r>
-            <a:endParaRPr lang="tr-TR" dirty="0"/>
-          </a:p>
-        </p:txBody>
-      </p:sp>
-      <p:sp>
-        <p:nvSpPr>
-          <p:cNvPr id="3" name="İçerik Yer Tutucusu 2">
-            <a:extLst>
-              <a:ext uri="{FF2B5EF4-FFF2-40B4-BE49-F238E27FC236}">
-                <a16:creationId xmlns:a16="http://schemas.microsoft.com/office/drawing/2014/main" id="{C50DFD77-B307-4FD2-DC6B-9E4757F2F21A}"/>
-              </a:ext>
-            </a:extLst>
-          </p:cNvPr>
-          <p:cNvSpPr>
-            <a:spLocks noGrp="1"/>
-          </p:cNvSpPr>
+        <p:spPr>
+          <a:xfrm>
+            <a:off x="838200" y="365125"/>
+            <a:ext cx="10515600" cy="1860400"/>
+          </a:xfrm>
+        </p:spPr>
+        <p:txBody>
+          <a:bodyPr vert="horz" lIns="91440" tIns="45720" rIns="91440" bIns="45720" rtlCol="0" anchor="ctr">
+            <a:normAutofit/>
+          </a:bodyPr>
+          <a:lstStyle/>
+          <a:p>
+            <a:r>
+              <a:rPr lang="en-US" sz="4000" b="1" kern="1200">
+                <a:solidFill>
+                  <a:schemeClr val="tx1"/>
+                </a:solidFill>
+                <a:latin typeface="+mj-lt"/>
+                <a:ea typeface="+mj-ea"/>
+                <a:cs typeface="+mj-cs"/>
+              </a:rPr>
+              <a:t>Fruit and Vegetable Disease (Healthy vs Rotten)</a:t>
+            </a:r>
+            <a:br>
+              <a:rPr lang="en-US" sz="4000" b="1" kern="1200">
+                <a:solidFill>
+                  <a:schemeClr val="tx1"/>
+                </a:solidFill>
+                <a:latin typeface="+mj-lt"/>
+                <a:ea typeface="+mj-ea"/>
+                <a:cs typeface="+mj-cs"/>
+              </a:rPr>
+            </a:br>
+            <a:endParaRPr lang="en-US" sz="4000" kern="1200">
+              <a:solidFill>
+                <a:schemeClr val="tx1"/>
+              </a:solidFill>
+              <a:latin typeface="+mj-lt"/>
+              <a:ea typeface="+mj-ea"/>
+              <a:cs typeface="+mj-cs"/>
+            </a:endParaRPr>
+          </a:p>
+        </p:txBody>
+      </p:sp>
+      <p:pic>
+        <p:nvPicPr>
+          <p:cNvPr id="7" name="Resim 6">
+            <a:extLst>
+              <a:ext uri="{FF2B5EF4-FFF2-40B4-BE49-F238E27FC236}">
+                <a16:creationId xmlns:a16="http://schemas.microsoft.com/office/drawing/2014/main" id="{F46557EA-9690-F8E8-F815-2A1A9C223DF6}"/>
+              </a:ext>
+            </a:extLst>
+          </p:cNvPr>
+          <p:cNvPicPr>
+            <a:picLocks noChangeAspect="1"/>
+          </p:cNvPicPr>
+          <p:nvPr/>
+        </p:nvPicPr>
+        <p:blipFill>
+          <a:blip r:embed="rId2"/>
+          <a:stretch>
+            <a:fillRect/>
+          </a:stretch>
+        </p:blipFill>
+        <p:spPr>
+          <a:xfrm>
+            <a:off x="570521" y="2365285"/>
+            <a:ext cx="5049687" cy="3938756"/>
+          </a:xfrm>
+          <a:prstGeom prst="rect">
+            <a:avLst/>
+          </a:prstGeom>
+        </p:spPr>
+      </p:pic>
+      <p:pic>
+        <p:nvPicPr>
+          <p:cNvPr id="5" name="İçerik Yer Tutucusu 4">
+            <a:extLst>
+              <a:ext uri="{FF2B5EF4-FFF2-40B4-BE49-F238E27FC236}">
+                <a16:creationId xmlns:a16="http://schemas.microsoft.com/office/drawing/2014/main" id="{1EFB3F5C-E00C-24BF-1725-7B591D0100EB}"/>
+              </a:ext>
+            </a:extLst>
+          </p:cNvPr>
+          <p:cNvPicPr>
+            <a:picLocks noGrp="1" noChangeAspect="1"/>
+          </p:cNvPicPr>
           <p:nvPr>
             <p:ph idx="1"/>
           </p:nvPr>
-        </p:nvSpPr>
-        <p:spPr/>
-        <p:txBody>
-          <a:bodyPr>
-            <a:normAutofit lnSpcReduction="10000"/>
-          </a:bodyPr>
-          <a:lstStyle/>
-          <a:p>
-            <a:r>
-              <a:rPr lang="tr-TR" dirty="0" err="1"/>
-              <a:t>SpoilScan</a:t>
-            </a:r>
-            <a:r>
-              <a:rPr lang="tr-TR" dirty="0"/>
-              <a:t> projesi gıda sektöründe taze ürünlerin raf ömrünün belirlenmesi, tüketici güvenliği, israfın önlenmesi ve kalite kontrol süreçlerinde ciddi bir ihtiyaçtır. Mevcut sistemlerde bu süreçler genellikle manuel gözleme veya fiziksel temas gerektiren yöntemlerle yürütülmektedir. Bu süreç hem zaman alıcı hem de insan hatasına açık bir süreçtir.</a:t>
-            </a:r>
-          </a:p>
-          <a:p>
-            <a:r>
-              <a:rPr lang="tr-TR" dirty="0" err="1"/>
-              <a:t>SpoilScan</a:t>
-            </a:r>
-            <a:r>
-              <a:rPr lang="tr-TR" dirty="0"/>
-              <a:t> projesi otomatik, hızlı ve temassız bir görüntü analizi sistemi ile çürümüş veya taze ürünleri yüksek doğrulukla </a:t>
-            </a:r>
-            <a:r>
-              <a:rPr lang="tr-TR" dirty="0" err="1"/>
-              <a:t>sınıflandırararak</a:t>
-            </a:r>
-            <a:r>
-              <a:rPr lang="tr-TR" dirty="0"/>
-              <a:t> gıda atığını azaltmayı, depolama ve sevkiyat süreçlerini ürünlerin raf ömrüne göre optimize etmeyi böylece de tedarik zinciri yönetiminde verimliliği artırmayı amaçlamaktadır.</a:t>
-            </a:r>
-          </a:p>
-          <a:p>
-            <a:endParaRPr lang="tr-TR" dirty="0"/>
-          </a:p>
-        </p:txBody>
-      </p:sp>
+        </p:nvPicPr>
+        <p:blipFill>
+          <a:blip r:embed="rId3"/>
+          <a:stretch>
+            <a:fillRect/>
+          </a:stretch>
+        </p:blipFill>
+        <p:spPr>
+          <a:xfrm>
+            <a:off x="6303191" y="2365285"/>
+            <a:ext cx="5586888" cy="3938756"/>
+          </a:xfrm>
+          <a:prstGeom prst="rect">
+            <a:avLst/>
+          </a:prstGeom>
+        </p:spPr>
+      </p:pic>
     </p:spTree>
     <p:extLst>
       <p:ext uri="{BB962C8B-B14F-4D97-AF65-F5344CB8AC3E}">
-        <p14:creationId xmlns:p14="http://schemas.microsoft.com/office/powerpoint/2010/main" val="171367234"/>
+        <p14:creationId xmlns:p14="http://schemas.microsoft.com/office/powerpoint/2010/main" val="2703855897"/>
       </p:ext>
     </p:extLst>
   </p:cSld>
@@ -3554,6 +3663,14 @@
 <file path=ppt/slides/slide3.xml><?xml version="1.0" encoding="utf-8"?>
 <p:sld xmlns:a="http://schemas.openxmlformats.org/drawingml/2006/main" xmlns:r="http://schemas.openxmlformats.org/officeDocument/2006/relationships" xmlns:p="http://schemas.openxmlformats.org/presentationml/2006/main">
   <p:cSld>
+    <p:bg>
+      <p:bgPr>
+        <a:solidFill>
+          <a:schemeClr val="bg1"/>
+        </a:solidFill>
+        <a:effectLst/>
+      </p:bgPr>
+    </p:bg>
     <p:spTree>
       <p:nvGrpSpPr>
         <p:cNvPr id="1" name=""/>
@@ -3568,12 +3685,72 @@
           <a:chExt cx="0" cy="0"/>
         </a:xfrm>
       </p:grpSpPr>
+      <p:sp useBgFill="1">
+        <p:nvSpPr>
+          <p:cNvPr id="12" name="Rectangle 11">
+            <a:extLst>
+              <a:ext uri="{FF2B5EF4-FFF2-40B4-BE49-F238E27FC236}">
+                <a16:creationId xmlns:a16="http://schemas.microsoft.com/office/drawing/2014/main" id="{99ED5833-B85B-4103-8A3B-CAB0308E6C15}"/>
+              </a:ext>
+              <a:ext uri="{C183D7F6-B498-43B3-948B-1728B52AA6E4}">
+                <adec:decorative xmlns:adec="http://schemas.microsoft.com/office/drawing/2017/decorative" val="1"/>
+              </a:ext>
+            </a:extLst>
+          </p:cNvPr>
+          <p:cNvSpPr>
+            <a:spLocks noGrp="1" noRot="1" noChangeAspect="1" noMove="1" noResize="1" noEditPoints="1" noAdjustHandles="1" noChangeArrowheads="1" noChangeShapeType="1" noTextEdit="1"/>
+          </p:cNvSpPr>
+          <p:nvPr>
+            <p:extLst>
+              <p:ext uri="{386F3935-93C4-4BCD-93E2-E3B085C9AB24}">
+                <p16:designElem xmlns:p16="http://schemas.microsoft.com/office/powerpoint/2015/main" val="1"/>
+              </p:ext>
+            </p:extLst>
+          </p:nvPr>
+        </p:nvSpPr>
+        <p:spPr>
+          <a:xfrm>
+            <a:off x="-1" y="0"/>
+            <a:ext cx="12188952" cy="6858000"/>
+          </a:xfrm>
+          <a:prstGeom prst="rect">
+            <a:avLst/>
+          </a:prstGeom>
+          <a:ln>
+            <a:noFill/>
+          </a:ln>
+        </p:spPr>
+        <p:style>
+          <a:lnRef idx="2">
+            <a:schemeClr val="accent1">
+              <a:shade val="50000"/>
+            </a:schemeClr>
+          </a:lnRef>
+          <a:fillRef idx="1">
+            <a:schemeClr val="accent1"/>
+          </a:fillRef>
+          <a:effectRef idx="0">
+            <a:schemeClr val="accent1"/>
+          </a:effectRef>
+          <a:fontRef idx="minor">
+            <a:schemeClr val="lt1"/>
+          </a:fontRef>
+        </p:style>
+        <p:txBody>
+          <a:bodyPr rtlCol="0" anchor="ctr"/>
+          <a:lstStyle/>
+          <a:p>
+            <a:pPr algn="ctr"/>
+            <a:endParaRPr lang="en-US"/>
+          </a:p>
+        </p:txBody>
+      </p:sp>
       <p:sp>
         <p:nvSpPr>
           <p:cNvPr id="2" name="Başlık 1">
             <a:extLst>
               <a:ext uri="{FF2B5EF4-FFF2-40B4-BE49-F238E27FC236}">
-                <a16:creationId xmlns:a16="http://schemas.microsoft.com/office/drawing/2014/main" id="{2E3BA44B-096D-C539-2FA1-A0645A7CF30B}"/>
+                <a16:creationId xmlns:a16="http://schemas.microsoft.com/office/drawing/2014/main" id="{3A40FE6C-4F24-0C2E-1EF6-7D4829BCB7F2}"/>
               </a:ext>
             </a:extLst>
           </p:cNvPr>
@@ -3584,211 +3761,116 @@
             <p:ph type="title"/>
           </p:nvPr>
         </p:nvSpPr>
-        <p:spPr/>
-        <p:txBody>
-          <a:bodyPr/>
-          <a:lstStyle/>
-          <a:p>
-            <a:r>
-              <a:rPr lang="tr-TR" dirty="0"/>
-              <a:t>Veri Setleri</a:t>
-            </a:r>
-          </a:p>
-        </p:txBody>
-      </p:sp>
-      <p:sp>
-        <p:nvSpPr>
-          <p:cNvPr id="3" name="İçerik Yer Tutucusu 2">
-            <a:extLst>
-              <a:ext uri="{FF2B5EF4-FFF2-40B4-BE49-F238E27FC236}">
-                <a16:creationId xmlns:a16="http://schemas.microsoft.com/office/drawing/2014/main" id="{D3A7D180-938C-48F3-35BB-64E0F29749F0}"/>
-              </a:ext>
-            </a:extLst>
-          </p:cNvPr>
-          <p:cNvSpPr>
-            <a:spLocks noGrp="1"/>
-          </p:cNvSpPr>
+        <p:spPr>
+          <a:xfrm>
+            <a:off x="838200" y="365125"/>
+            <a:ext cx="10515600" cy="1860400"/>
+          </a:xfrm>
+        </p:spPr>
+        <p:txBody>
+          <a:bodyPr vert="horz" lIns="91440" tIns="45720" rIns="91440" bIns="45720" rtlCol="0" anchor="ctr">
+            <a:normAutofit/>
+          </a:bodyPr>
+          <a:lstStyle/>
+          <a:p>
+            <a:r>
+              <a:rPr lang="en-US" sz="5200" b="1" kern="1200">
+                <a:solidFill>
+                  <a:schemeClr val="tx1"/>
+                </a:solidFill>
+                <a:latin typeface="+mj-lt"/>
+                <a:ea typeface="+mj-ea"/>
+                <a:cs typeface="+mj-cs"/>
+              </a:rPr>
+              <a:t>Fresh and Rotten Classification</a:t>
+            </a:r>
+            <a:br>
+              <a:rPr lang="en-US" sz="5200" b="1" kern="1200">
+                <a:solidFill>
+                  <a:schemeClr val="tx1"/>
+                </a:solidFill>
+                <a:latin typeface="+mj-lt"/>
+                <a:ea typeface="+mj-ea"/>
+                <a:cs typeface="+mj-cs"/>
+              </a:rPr>
+            </a:br>
+            <a:endParaRPr lang="en-US" sz="5200" kern="1200">
+              <a:solidFill>
+                <a:schemeClr val="tx1"/>
+              </a:solidFill>
+              <a:latin typeface="+mj-lt"/>
+              <a:ea typeface="+mj-ea"/>
+              <a:cs typeface="+mj-cs"/>
+            </a:endParaRPr>
+          </a:p>
+        </p:txBody>
+      </p:sp>
+      <p:pic>
+        <p:nvPicPr>
+          <p:cNvPr id="7" name="Resim 6">
+            <a:extLst>
+              <a:ext uri="{FF2B5EF4-FFF2-40B4-BE49-F238E27FC236}">
+                <a16:creationId xmlns:a16="http://schemas.microsoft.com/office/drawing/2014/main" id="{F3051AFB-02D6-F76E-B583-CBEBB65E0886}"/>
+              </a:ext>
+            </a:extLst>
+          </p:cNvPr>
+          <p:cNvPicPr>
+            <a:picLocks noChangeAspect="1"/>
+          </p:cNvPicPr>
+          <p:nvPr/>
+        </p:nvPicPr>
+        <p:blipFill>
+          <a:blip r:embed="rId2"/>
+          <a:stretch>
+            <a:fillRect/>
+          </a:stretch>
+        </p:blipFill>
+        <p:spPr>
+          <a:xfrm>
+            <a:off x="331325" y="2365285"/>
+            <a:ext cx="5528078" cy="3938756"/>
+          </a:xfrm>
+          <a:prstGeom prst="rect">
+            <a:avLst/>
+          </a:prstGeom>
+        </p:spPr>
+      </p:pic>
+      <p:pic>
+        <p:nvPicPr>
+          <p:cNvPr id="5" name="İçerik Yer Tutucusu 4">
+            <a:extLst>
+              <a:ext uri="{FF2B5EF4-FFF2-40B4-BE49-F238E27FC236}">
+                <a16:creationId xmlns:a16="http://schemas.microsoft.com/office/drawing/2014/main" id="{03CB7538-54AC-B46F-A7A1-1928013A27FA}"/>
+              </a:ext>
+            </a:extLst>
+          </p:cNvPr>
+          <p:cNvPicPr>
+            <a:picLocks noGrp="1" noChangeAspect="1"/>
+          </p:cNvPicPr>
           <p:nvPr>
             <p:ph idx="1"/>
           </p:nvPr>
-        </p:nvSpPr>
-        <p:spPr/>
-        <p:txBody>
-          <a:bodyPr>
-            <a:normAutofit fontScale="77500" lnSpcReduction="20000"/>
-          </a:bodyPr>
-          <a:lstStyle/>
-          <a:p>
-            <a:pPr marL="0" indent="0">
-              <a:buNone/>
-            </a:pPr>
-            <a:r>
-              <a:rPr lang="tr-TR" dirty="0"/>
-              <a:t>1-Fresh </a:t>
-            </a:r>
-            <a:r>
-              <a:rPr lang="tr-TR" dirty="0" err="1"/>
-              <a:t>and</a:t>
-            </a:r>
-            <a:r>
-              <a:rPr lang="tr-TR" dirty="0"/>
-              <a:t> </a:t>
-            </a:r>
-            <a:r>
-              <a:rPr lang="tr-TR" dirty="0" err="1"/>
-              <a:t>Rotten</a:t>
-            </a:r>
-            <a:r>
-              <a:rPr lang="tr-TR" dirty="0"/>
-              <a:t> </a:t>
-            </a:r>
-            <a:r>
-              <a:rPr lang="tr-TR" dirty="0" err="1"/>
-              <a:t>Classification</a:t>
-            </a:r>
-            <a:endParaRPr lang="tr-TR" dirty="0"/>
-          </a:p>
-          <a:p>
-            <a:pPr marL="0" indent="0">
-              <a:buNone/>
-            </a:pPr>
-            <a:r>
-              <a:rPr lang="tr-TR" dirty="0"/>
-              <a:t>İlk veri setimizde, </a:t>
-            </a:r>
-            <a:r>
-              <a:rPr lang="tr-TR" dirty="0" err="1"/>
-              <a:t>class</a:t>
-            </a:r>
-            <a:r>
-              <a:rPr lang="tr-TR" dirty="0"/>
-              <a:t> isimleri biraz yanlış yazılmış ve test klasöründe olmayan bazı </a:t>
-            </a:r>
-            <a:r>
-              <a:rPr lang="tr-TR" dirty="0" err="1"/>
-              <a:t>classlar</a:t>
-            </a:r>
-            <a:r>
-              <a:rPr lang="tr-TR" dirty="0"/>
-              <a:t> </a:t>
-            </a:r>
-            <a:r>
-              <a:rPr lang="tr-TR" dirty="0" err="1"/>
-              <a:t>train</a:t>
-            </a:r>
-            <a:r>
-              <a:rPr lang="tr-TR" dirty="0"/>
-              <a:t> dosyasında mevcut idi. Bu durumu fazla klasörleri silerek ve klasör adlarını düzenleyerek düzelttim. Asıl olarak </a:t>
-            </a:r>
-            <a:r>
-              <a:rPr lang="tr-TR" dirty="0" err="1"/>
-              <a:t>classlar</a:t>
-            </a:r>
-            <a:r>
-              <a:rPr lang="tr-TR" dirty="0"/>
-              <a:t> içindeki görseller benzer olup görsel çeşitliliği azdır. Bu durum, yine aynı veride ayrılmış olarak duran Test klasöründeki verilerle yapılan test sonuçlarının yüksek değerlere ulaşmasını sağlarken gerçek dünyada biraz daha düşük sonuçlar alabilir.</a:t>
-            </a:r>
-          </a:p>
-          <a:p>
-            <a:pPr marL="0" indent="0">
-              <a:buNone/>
-            </a:pPr>
-            <a:endParaRPr lang="tr-TR" dirty="0"/>
-          </a:p>
-          <a:p>
-            <a:pPr marL="0" indent="0">
-              <a:buNone/>
-            </a:pPr>
-            <a:r>
-              <a:rPr lang="tr-TR" dirty="0"/>
-              <a:t>2-Fruit </a:t>
-            </a:r>
-            <a:r>
-              <a:rPr lang="tr-TR" dirty="0" err="1"/>
-              <a:t>and</a:t>
-            </a:r>
-            <a:r>
-              <a:rPr lang="tr-TR" dirty="0"/>
-              <a:t> </a:t>
-            </a:r>
-            <a:r>
-              <a:rPr lang="tr-TR" dirty="0" err="1"/>
-              <a:t>Vegetable</a:t>
-            </a:r>
-            <a:r>
-              <a:rPr lang="tr-TR" dirty="0"/>
-              <a:t> </a:t>
-            </a:r>
-            <a:r>
-              <a:rPr lang="tr-TR" dirty="0" err="1"/>
-              <a:t>Disease</a:t>
-            </a:r>
-            <a:r>
-              <a:rPr lang="tr-TR" dirty="0"/>
-              <a:t> (</a:t>
-            </a:r>
-            <a:r>
-              <a:rPr lang="tr-TR" dirty="0" err="1"/>
-              <a:t>Healthy</a:t>
-            </a:r>
-            <a:r>
-              <a:rPr lang="tr-TR" dirty="0"/>
-              <a:t> </a:t>
-            </a:r>
-            <a:r>
-              <a:rPr lang="tr-TR" dirty="0" err="1"/>
-              <a:t>vs</a:t>
-            </a:r>
-            <a:r>
-              <a:rPr lang="tr-TR" dirty="0"/>
-              <a:t> </a:t>
-            </a:r>
-            <a:r>
-              <a:rPr lang="tr-TR" dirty="0" err="1"/>
-              <a:t>Rotten</a:t>
-            </a:r>
-            <a:r>
-              <a:rPr lang="tr-TR" dirty="0"/>
-              <a:t>)</a:t>
-            </a:r>
-          </a:p>
-          <a:p>
-            <a:pPr marL="0" indent="0">
-              <a:buNone/>
-            </a:pPr>
-            <a:r>
-              <a:rPr lang="tr-TR" dirty="0"/>
-              <a:t>Bu veri seti daha çok gerçek dünyadan örneklere benzerken bu veri setindeki veriler sadece </a:t>
-            </a:r>
-            <a:r>
-              <a:rPr lang="tr-TR" dirty="0" err="1"/>
-              <a:t>Healthy</a:t>
-            </a:r>
-            <a:r>
-              <a:rPr lang="tr-TR" dirty="0"/>
-              <a:t> ve </a:t>
-            </a:r>
-            <a:r>
-              <a:rPr lang="tr-TR" dirty="0" err="1"/>
-              <a:t>Rotten</a:t>
-            </a:r>
-            <a:r>
-              <a:rPr lang="tr-TR" dirty="0"/>
-              <a:t> diye ayrılmış bulunmaktaydı. Bu veriler basit bir kod bloğuyla 1. veri setine benzer dağılımla (%80-20) Train ve Test diye manuel  olarak ayrıldı. Test sonuçları ilk veri seti kadar yüksek olmasa da gerçek dünyaya daha yakın değerler aldığı düşünülüyor.</a:t>
-            </a:r>
-          </a:p>
-          <a:p>
-            <a:pPr marL="0" indent="0">
-              <a:buNone/>
-            </a:pPr>
-            <a:endParaRPr lang="tr-TR" dirty="0"/>
-          </a:p>
-        </p:txBody>
-      </p:sp>
+        </p:nvPicPr>
+        <p:blipFill>
+          <a:blip r:embed="rId3"/>
+          <a:stretch>
+            <a:fillRect/>
+          </a:stretch>
+        </p:blipFill>
+        <p:spPr>
+          <a:xfrm>
+            <a:off x="6293251" y="2365285"/>
+            <a:ext cx="5606769" cy="3938756"/>
+          </a:xfrm>
+          <a:prstGeom prst="rect">
+            <a:avLst/>
+          </a:prstGeom>
+        </p:spPr>
+      </p:pic>
     </p:spTree>
     <p:extLst>
       <p:ext uri="{BB962C8B-B14F-4D97-AF65-F5344CB8AC3E}">
-        <p14:creationId xmlns:p14="http://schemas.microsoft.com/office/powerpoint/2010/main" val="2711593757"/>
+        <p14:creationId xmlns:p14="http://schemas.microsoft.com/office/powerpoint/2010/main" val="644883354"/>
       </p:ext>
     </p:extLst>
   </p:cSld>
@@ -3801,6 +3883,14 @@
 <file path=ppt/slides/slide4.xml><?xml version="1.0" encoding="utf-8"?>
 <p:sld xmlns:a="http://schemas.openxmlformats.org/drawingml/2006/main" xmlns:r="http://schemas.openxmlformats.org/officeDocument/2006/relationships" xmlns:p="http://schemas.openxmlformats.org/presentationml/2006/main">
   <p:cSld>
+    <p:bg>
+      <p:bgPr>
+        <a:solidFill>
+          <a:schemeClr val="bg1"/>
+        </a:solidFill>
+        <a:effectLst/>
+      </p:bgPr>
+    </p:bg>
     <p:spTree>
       <p:nvGrpSpPr>
         <p:cNvPr id="1" name=""/>
@@ -3815,157 +3905,234 @@
           <a:chExt cx="0" cy="0"/>
         </a:xfrm>
       </p:grpSpPr>
-      <p:sp>
-        <p:nvSpPr>
-          <p:cNvPr id="2" name="Başlık 1">
-            <a:extLst>
-              <a:ext uri="{FF2B5EF4-FFF2-40B4-BE49-F238E27FC236}">
-                <a16:creationId xmlns:a16="http://schemas.microsoft.com/office/drawing/2014/main" id="{B2349FF1-E895-D44B-67E5-73A811334CDC}"/>
-              </a:ext>
-            </a:extLst>
-          </p:cNvPr>
-          <p:cNvSpPr>
-            <a:spLocks noGrp="1"/>
-          </p:cNvSpPr>
-          <p:nvPr>
-            <p:ph type="title"/>
-          </p:nvPr>
-        </p:nvSpPr>
-        <p:spPr/>
-        <p:txBody>
-          <a:bodyPr/>
-          <a:lstStyle/>
-          <a:p>
-            <a:r>
-              <a:rPr lang="tr-TR" dirty="0"/>
-              <a:t>1. Yöntem CNN</a:t>
-            </a:r>
-          </a:p>
-        </p:txBody>
-      </p:sp>
-      <p:sp>
-        <p:nvSpPr>
-          <p:cNvPr id="3" name="İçerik Yer Tutucusu 2">
-            <a:extLst>
-              <a:ext uri="{FF2B5EF4-FFF2-40B4-BE49-F238E27FC236}">
-                <a16:creationId xmlns:a16="http://schemas.microsoft.com/office/drawing/2014/main" id="{5B48E7B8-B861-79B4-B0CF-D9F0E818910B}"/>
-              </a:ext>
-            </a:extLst>
-          </p:cNvPr>
-          <p:cNvSpPr>
-            <a:spLocks noGrp="1"/>
-          </p:cNvSpPr>
+      <p:pic>
+        <p:nvPicPr>
+          <p:cNvPr id="7" name="Resim 6" descr="metin, ekran görüntüsü, yazı tipi içeren bir resim&#10;&#10;Yapay zeka tarafından oluşturulmuş içerik yanlış olabilir.">
+            <a:extLst>
+              <a:ext uri="{FF2B5EF4-FFF2-40B4-BE49-F238E27FC236}">
+                <a16:creationId xmlns:a16="http://schemas.microsoft.com/office/drawing/2014/main" id="{9F2B6627-C263-1EC3-E0F7-F9AB6B647F51}"/>
+              </a:ext>
+            </a:extLst>
+          </p:cNvPr>
+          <p:cNvPicPr>
+            <a:picLocks noChangeAspect="1"/>
+          </p:cNvPicPr>
+          <p:nvPr/>
+        </p:nvPicPr>
+        <p:blipFill>
+          <a:blip r:embed="rId2"/>
+          <a:stretch>
+            <a:fillRect/>
+          </a:stretch>
+        </p:blipFill>
+        <p:spPr>
+          <a:xfrm>
+            <a:off x="1165685" y="321734"/>
+            <a:ext cx="4009797" cy="2905170"/>
+          </a:xfrm>
+          <a:prstGeom prst="rect">
+            <a:avLst/>
+          </a:prstGeom>
+        </p:spPr>
+      </p:pic>
+      <p:pic>
+        <p:nvPicPr>
+          <p:cNvPr id="5" name="İçerik Yer Tutucusu 4" descr="metin, ekran görüntüsü, yazılım, yazı tipi içeren bir resim&#10;&#10;Yapay zeka tarafından oluşturulmuş içerik yanlış olabilir.">
+            <a:extLst>
+              <a:ext uri="{FF2B5EF4-FFF2-40B4-BE49-F238E27FC236}">
+                <a16:creationId xmlns:a16="http://schemas.microsoft.com/office/drawing/2014/main" id="{4CA51204-7D89-B1D1-21B1-120BEA6B94D5}"/>
+              </a:ext>
+            </a:extLst>
+          </p:cNvPr>
+          <p:cNvPicPr>
+            <a:picLocks noGrp="1" noChangeAspect="1"/>
+          </p:cNvPicPr>
           <p:nvPr>
             <p:ph idx="1"/>
           </p:nvPr>
-        </p:nvSpPr>
-        <p:spPr/>
-        <p:txBody>
-          <a:bodyPr/>
-          <a:lstStyle/>
-          <a:p>
-            <a:pPr marL="0" indent="0">
-              <a:buNone/>
-            </a:pPr>
-            <a:r>
-              <a:rPr lang="tr-TR" dirty="0"/>
-              <a:t>Bu yöntemde modelin bazı değerlerini optimize etmeye çalıştım. Bu süreçte her bir değişiklikte tekrar tekrar modeli eğiterek sonuçlarına baktım. Sonuçlara bakarken </a:t>
-            </a:r>
-            <a:r>
-              <a:rPr lang="tr-TR" dirty="0" err="1"/>
-              <a:t>train</a:t>
-            </a:r>
-            <a:r>
-              <a:rPr lang="tr-TR" dirty="0"/>
-              <a:t> verisini </a:t>
-            </a:r>
-            <a:r>
-              <a:rPr lang="tr-TR" dirty="0" err="1"/>
-              <a:t>split</a:t>
-            </a:r>
-            <a:r>
-              <a:rPr lang="tr-TR" dirty="0"/>
-              <a:t> yaparak 80-20 ayırdım bu 20 </a:t>
-            </a:r>
-            <a:r>
-              <a:rPr lang="tr-TR" dirty="0" err="1"/>
-              <a:t>lik</a:t>
-            </a:r>
-            <a:r>
-              <a:rPr lang="tr-TR" dirty="0"/>
-              <a:t> kesim </a:t>
-            </a:r>
-            <a:r>
-              <a:rPr lang="tr-TR" dirty="0" err="1"/>
-              <a:t>validation</a:t>
-            </a:r>
-            <a:r>
-              <a:rPr lang="tr-TR" dirty="0"/>
-              <a:t> için kullanılırken 80 </a:t>
-            </a:r>
-            <a:r>
-              <a:rPr lang="tr-TR" dirty="0" err="1"/>
-              <a:t>lik</a:t>
-            </a:r>
-            <a:r>
-              <a:rPr lang="tr-TR" dirty="0"/>
-              <a:t> kısım </a:t>
-            </a:r>
-            <a:r>
-              <a:rPr lang="tr-TR" dirty="0" err="1"/>
-              <a:t>train</a:t>
-            </a:r>
-            <a:r>
-              <a:rPr lang="tr-TR" dirty="0"/>
-              <a:t> için kullanılıyordu böylece test verisi eğitimden uzaklaştırıldı. Görüntüler 224x244 </a:t>
-            </a:r>
-            <a:r>
-              <a:rPr lang="tr-TR" dirty="0" err="1"/>
-              <a:t>resize</a:t>
-            </a:r>
-            <a:r>
-              <a:rPr lang="tr-TR" dirty="0"/>
-              <a:t> yapılıp modele sokuldu. Testler sonucunda en optimal değerlerin </a:t>
-            </a:r>
-            <a:r>
-              <a:rPr lang="tr-TR" dirty="0" err="1"/>
-              <a:t>Epoch</a:t>
-            </a:r>
-            <a:r>
-              <a:rPr lang="tr-TR" dirty="0"/>
-              <a:t>=50, </a:t>
-            </a:r>
-            <a:r>
-              <a:rPr lang="tr-TR" dirty="0" err="1"/>
-              <a:t>Batch_Size</a:t>
-            </a:r>
-            <a:r>
-              <a:rPr lang="tr-TR" dirty="0"/>
-              <a:t> = 128, </a:t>
-            </a:r>
-            <a:r>
-              <a:rPr lang="tr-TR" dirty="0" err="1"/>
-              <a:t>Learning_Rate</a:t>
-            </a:r>
-            <a:r>
-              <a:rPr lang="tr-TR" dirty="0"/>
-              <a:t> = 0.01, Katman sayısı = 3, her bir katmandaki </a:t>
-            </a:r>
-            <a:r>
-              <a:rPr lang="tr-TR" dirty="0" err="1"/>
-              <a:t>Kernel_size</a:t>
-            </a:r>
-            <a:r>
-              <a:rPr lang="tr-TR" dirty="0"/>
-              <a:t> = (3,3), Dense değeri 192 olduğu görüldü.</a:t>
-            </a:r>
-          </a:p>
-        </p:txBody>
-      </p:sp>
+        </p:nvPicPr>
+        <p:blipFill>
+          <a:blip r:embed="rId3"/>
+          <a:stretch>
+            <a:fillRect/>
+          </a:stretch>
+        </p:blipFill>
+        <p:spPr>
+          <a:xfrm>
+            <a:off x="1191687" y="3631096"/>
+            <a:ext cx="3957792" cy="2760560"/>
+          </a:xfrm>
+          <a:prstGeom prst="rect">
+            <a:avLst/>
+          </a:prstGeom>
+        </p:spPr>
+      </p:pic>
+      <p:sp>
+        <p:nvSpPr>
+          <p:cNvPr id="21" name="Rectangle 20">
+            <a:extLst>
+              <a:ext uri="{FF2B5EF4-FFF2-40B4-BE49-F238E27FC236}">
+                <a16:creationId xmlns:a16="http://schemas.microsoft.com/office/drawing/2014/main" id="{799448F2-0E5B-42DA-B2D1-11A14E947BD4}"/>
+              </a:ext>
+              <a:ext uri="{C183D7F6-B498-43B3-948B-1728B52AA6E4}">
+                <adec:decorative xmlns:adec="http://schemas.microsoft.com/office/drawing/2017/decorative" val="1"/>
+              </a:ext>
+            </a:extLst>
+          </p:cNvPr>
+          <p:cNvSpPr>
+            <a:spLocks noGrp="1" noRot="1" noChangeAspect="1" noMove="1" noResize="1" noEditPoints="1" noAdjustHandles="1" noChangeArrowheads="1" noChangeShapeType="1" noTextEdit="1"/>
+          </p:cNvSpPr>
+          <p:nvPr>
+            <p:extLst>
+              <p:ext uri="{386F3935-93C4-4BCD-93E2-E3B085C9AB24}">
+                <p16:designElem xmlns:p16="http://schemas.microsoft.com/office/powerpoint/2015/main" val="1"/>
+              </p:ext>
+            </p:extLst>
+          </p:nvPr>
+        </p:nvSpPr>
+        <p:spPr>
+          <a:xfrm>
+            <a:off x="6050280" y="0"/>
+            <a:ext cx="91440" cy="6858000"/>
+          </a:xfrm>
+          <a:prstGeom prst="rect">
+            <a:avLst/>
+          </a:prstGeom>
+          <a:solidFill>
+            <a:schemeClr val="tx1">
+              <a:lumMod val="75000"/>
+              <a:lumOff val="25000"/>
+            </a:schemeClr>
+          </a:solidFill>
+          <a:ln>
+            <a:noFill/>
+          </a:ln>
+        </p:spPr>
+        <p:style>
+          <a:lnRef idx="2">
+            <a:schemeClr val="accent1">
+              <a:shade val="50000"/>
+            </a:schemeClr>
+          </a:lnRef>
+          <a:fillRef idx="1">
+            <a:schemeClr val="accent1"/>
+          </a:fillRef>
+          <a:effectRef idx="0">
+            <a:schemeClr val="accent1"/>
+          </a:effectRef>
+          <a:fontRef idx="minor">
+            <a:schemeClr val="lt1"/>
+          </a:fontRef>
+        </p:style>
+        <p:txBody>
+          <a:bodyPr rtlCol="0" anchor="ctr"/>
+          <a:lstStyle/>
+          <a:p>
+            <a:pPr algn="ctr"/>
+            <a:endParaRPr lang="en-US"/>
+          </a:p>
+        </p:txBody>
+      </p:sp>
+      <p:sp>
+        <p:nvSpPr>
+          <p:cNvPr id="23" name="Rectangle 22">
+            <a:extLst>
+              <a:ext uri="{FF2B5EF4-FFF2-40B4-BE49-F238E27FC236}">
+                <a16:creationId xmlns:a16="http://schemas.microsoft.com/office/drawing/2014/main" id="{4E8A7552-20E1-4F34-ADAB-C1DB6634D47E}"/>
+              </a:ext>
+              <a:ext uri="{C183D7F6-B498-43B3-948B-1728B52AA6E4}">
+                <adec:decorative xmlns:adec="http://schemas.microsoft.com/office/drawing/2017/decorative" val="1"/>
+              </a:ext>
+            </a:extLst>
+          </p:cNvPr>
+          <p:cNvSpPr>
+            <a:spLocks noGrp="1" noRot="1" noChangeAspect="1" noMove="1" noResize="1" noEditPoints="1" noAdjustHandles="1" noChangeArrowheads="1" noChangeShapeType="1" noTextEdit="1"/>
+          </p:cNvSpPr>
+          <p:nvPr>
+            <p:extLst>
+              <p:ext uri="{386F3935-93C4-4BCD-93E2-E3B085C9AB24}">
+                <p16:designElem xmlns:p16="http://schemas.microsoft.com/office/powerpoint/2015/main" val="1"/>
+              </p:ext>
+            </p:extLst>
+          </p:nvPr>
+        </p:nvSpPr>
+        <p:spPr>
+          <a:xfrm>
+            <a:off x="0" y="3383280"/>
+            <a:ext cx="6126480" cy="91440"/>
+          </a:xfrm>
+          <a:prstGeom prst="rect">
+            <a:avLst/>
+          </a:prstGeom>
+          <a:solidFill>
+            <a:schemeClr val="tx1">
+              <a:lumMod val="75000"/>
+              <a:lumOff val="25000"/>
+            </a:schemeClr>
+          </a:solidFill>
+          <a:ln>
+            <a:noFill/>
+          </a:ln>
+        </p:spPr>
+        <p:style>
+          <a:lnRef idx="2">
+            <a:schemeClr val="accent1">
+              <a:shade val="50000"/>
+            </a:schemeClr>
+          </a:lnRef>
+          <a:fillRef idx="1">
+            <a:schemeClr val="accent1"/>
+          </a:fillRef>
+          <a:effectRef idx="0">
+            <a:schemeClr val="accent1"/>
+          </a:effectRef>
+          <a:fontRef idx="minor">
+            <a:schemeClr val="lt1"/>
+          </a:fontRef>
+        </p:style>
+        <p:txBody>
+          <a:bodyPr rtlCol="0" anchor="ctr"/>
+          <a:lstStyle/>
+          <a:p>
+            <a:pPr algn="ctr"/>
+            <a:endParaRPr lang="en-US"/>
+          </a:p>
+        </p:txBody>
+      </p:sp>
+      <p:pic>
+        <p:nvPicPr>
+          <p:cNvPr id="15" name="Resim 14" descr="metin, ekran görüntüsü, yazı tipi içeren bir resim&#10;&#10;Yapay zeka tarafından oluşturulmuş içerik yanlış olabilir.">
+            <a:extLst>
+              <a:ext uri="{FF2B5EF4-FFF2-40B4-BE49-F238E27FC236}">
+                <a16:creationId xmlns:a16="http://schemas.microsoft.com/office/drawing/2014/main" id="{C176A269-4B5D-1AFE-B794-4D38635C973A}"/>
+              </a:ext>
+            </a:extLst>
+          </p:cNvPr>
+          <p:cNvPicPr>
+            <a:picLocks noChangeAspect="1"/>
+          </p:cNvPicPr>
+          <p:nvPr/>
+        </p:nvPicPr>
+        <p:blipFill>
+          <a:blip r:embed="rId4"/>
+          <a:stretch>
+            <a:fillRect/>
+          </a:stretch>
+        </p:blipFill>
+        <p:spPr>
+          <a:xfrm>
+            <a:off x="6996185" y="321734"/>
+            <a:ext cx="4050461" cy="6069922"/>
+          </a:xfrm>
+          <a:prstGeom prst="rect">
+            <a:avLst/>
+          </a:prstGeom>
+        </p:spPr>
+      </p:pic>
     </p:spTree>
     <p:extLst>
       <p:ext uri="{BB962C8B-B14F-4D97-AF65-F5344CB8AC3E}">
-        <p14:creationId xmlns:p14="http://schemas.microsoft.com/office/powerpoint/2010/main" val="253383756"/>
+        <p14:creationId xmlns:p14="http://schemas.microsoft.com/office/powerpoint/2010/main" val="4113617438"/>
       </p:ext>
     </p:extLst>
   </p:cSld>
@@ -3978,6 +4145,14 @@
 <file path=ppt/slides/slide5.xml><?xml version="1.0" encoding="utf-8"?>
 <p:sld xmlns:a="http://schemas.openxmlformats.org/drawingml/2006/main" xmlns:r="http://schemas.openxmlformats.org/officeDocument/2006/relationships" xmlns:p="http://schemas.openxmlformats.org/presentationml/2006/main">
   <p:cSld>
+    <p:bg>
+      <p:bgPr>
+        <a:solidFill>
+          <a:schemeClr val="bg1"/>
+        </a:solidFill>
+        <a:effectLst/>
+      </p:bgPr>
+    </p:bg>
     <p:spTree>
       <p:nvGrpSpPr>
         <p:cNvPr id="1" name=""/>
@@ -3992,138 +4167,228 @@
           <a:chExt cx="0" cy="0"/>
         </a:xfrm>
       </p:grpSpPr>
-      <p:sp>
-        <p:nvSpPr>
-          <p:cNvPr id="2" name="Başlık 1">
-            <a:extLst>
-              <a:ext uri="{FF2B5EF4-FFF2-40B4-BE49-F238E27FC236}">
-                <a16:creationId xmlns:a16="http://schemas.microsoft.com/office/drawing/2014/main" id="{3AB95F8E-63BB-2C78-C9D4-10ADF09EC969}"/>
-              </a:ext>
-            </a:extLst>
-          </p:cNvPr>
-          <p:cNvSpPr>
-            <a:spLocks noGrp="1"/>
-          </p:cNvSpPr>
-          <p:nvPr>
-            <p:ph type="title"/>
-          </p:nvPr>
-        </p:nvSpPr>
-        <p:spPr/>
-        <p:txBody>
-          <a:bodyPr/>
-          <a:lstStyle/>
-          <a:p>
-            <a:r>
-              <a:rPr lang="tr-TR" dirty="0"/>
-              <a:t>2. Yöntem HOG + HSV + ML (</a:t>
-            </a:r>
-            <a:r>
-              <a:rPr lang="tr-TR" dirty="0" err="1"/>
-              <a:t>Random</a:t>
-            </a:r>
-            <a:r>
-              <a:rPr lang="tr-TR" dirty="0"/>
-              <a:t> </a:t>
-            </a:r>
-            <a:r>
-              <a:rPr lang="tr-TR" dirty="0" err="1"/>
-              <a:t>Forest</a:t>
-            </a:r>
-            <a:r>
-              <a:rPr lang="tr-TR" dirty="0"/>
-              <a:t>)</a:t>
-            </a:r>
-          </a:p>
-        </p:txBody>
-      </p:sp>
-      <p:sp>
-        <p:nvSpPr>
-          <p:cNvPr id="3" name="İçerik Yer Tutucusu 2">
-            <a:extLst>
-              <a:ext uri="{FF2B5EF4-FFF2-40B4-BE49-F238E27FC236}">
-                <a16:creationId xmlns:a16="http://schemas.microsoft.com/office/drawing/2014/main" id="{BC3EEE0A-E676-D0BF-5650-1917060FC710}"/>
-              </a:ext>
-            </a:extLst>
-          </p:cNvPr>
-          <p:cNvSpPr>
-            <a:spLocks noGrp="1"/>
-          </p:cNvSpPr>
+      <p:sp useBgFill="1">
+        <p:nvSpPr>
+          <p:cNvPr id="19" name="Rectangle 18">
+            <a:extLst>
+              <a:ext uri="{FF2B5EF4-FFF2-40B4-BE49-F238E27FC236}">
+                <a16:creationId xmlns:a16="http://schemas.microsoft.com/office/drawing/2014/main" id="{11BE3FA7-0D70-4431-814F-D8C40576EA93}"/>
+              </a:ext>
+              <a:ext uri="{C183D7F6-B498-43B3-948B-1728B52AA6E4}">
+                <adec:decorative xmlns:adec="http://schemas.microsoft.com/office/drawing/2017/decorative" val="1"/>
+              </a:ext>
+            </a:extLst>
+          </p:cNvPr>
+          <p:cNvSpPr>
+            <a:spLocks noGrp="1" noRot="1" noChangeAspect="1" noMove="1" noResize="1" noEditPoints="1" noAdjustHandles="1" noChangeArrowheads="1" noChangeShapeType="1" noTextEdit="1"/>
+          </p:cNvSpPr>
+          <p:nvPr>
+            <p:extLst>
+              <p:ext uri="{386F3935-93C4-4BCD-93E2-E3B085C9AB24}">
+                <p16:designElem xmlns:p16="http://schemas.microsoft.com/office/powerpoint/2015/main" val="1"/>
+              </p:ext>
+            </p:extLst>
+          </p:nvPr>
+        </p:nvSpPr>
+        <p:spPr bwMode="white">
+          <a:xfrm>
+            <a:off x="1524" y="0"/>
+            <a:ext cx="12188952" cy="6858000"/>
+          </a:xfrm>
+          <a:prstGeom prst="rect">
+            <a:avLst/>
+          </a:prstGeom>
+          <a:ln>
+            <a:noFill/>
+          </a:ln>
+        </p:spPr>
+        <p:style>
+          <a:lnRef idx="2">
+            <a:schemeClr val="accent1">
+              <a:shade val="50000"/>
+            </a:schemeClr>
+          </a:lnRef>
+          <a:fillRef idx="1">
+            <a:schemeClr val="accent1"/>
+          </a:fillRef>
+          <a:effectRef idx="0">
+            <a:schemeClr val="accent1"/>
+          </a:effectRef>
+          <a:fontRef idx="minor">
+            <a:schemeClr val="lt1"/>
+          </a:fontRef>
+        </p:style>
+        <p:txBody>
+          <a:bodyPr rtlCol="0" anchor="ctr"/>
+          <a:lstStyle>
+            <a:defPPr>
+              <a:defRPr lang="en-US"/>
+            </a:defPPr>
+            <a:lvl1pPr marL="0" algn="l" defTabSz="914400" rtl="0" eaLnBrk="1" latinLnBrk="0" hangingPunct="1">
+              <a:defRPr sz="1800" kern="1200">
+                <a:solidFill>
+                  <a:schemeClr val="lt1"/>
+                </a:solidFill>
+                <a:latin typeface="+mn-lt"/>
+                <a:ea typeface="+mn-ea"/>
+                <a:cs typeface="+mn-cs"/>
+              </a:defRPr>
+            </a:lvl1pPr>
+            <a:lvl2pPr marL="457200" algn="l" defTabSz="914400" rtl="0" eaLnBrk="1" latinLnBrk="0" hangingPunct="1">
+              <a:defRPr sz="1800" kern="1200">
+                <a:solidFill>
+                  <a:schemeClr val="lt1"/>
+                </a:solidFill>
+                <a:latin typeface="+mn-lt"/>
+                <a:ea typeface="+mn-ea"/>
+                <a:cs typeface="+mn-cs"/>
+              </a:defRPr>
+            </a:lvl2pPr>
+            <a:lvl3pPr marL="914400" algn="l" defTabSz="914400" rtl="0" eaLnBrk="1" latinLnBrk="0" hangingPunct="1">
+              <a:defRPr sz="1800" kern="1200">
+                <a:solidFill>
+                  <a:schemeClr val="lt1"/>
+                </a:solidFill>
+                <a:latin typeface="+mn-lt"/>
+                <a:ea typeface="+mn-ea"/>
+                <a:cs typeface="+mn-cs"/>
+              </a:defRPr>
+            </a:lvl3pPr>
+            <a:lvl4pPr marL="1371600" algn="l" defTabSz="914400" rtl="0" eaLnBrk="1" latinLnBrk="0" hangingPunct="1">
+              <a:defRPr sz="1800" kern="1200">
+                <a:solidFill>
+                  <a:schemeClr val="lt1"/>
+                </a:solidFill>
+                <a:latin typeface="+mn-lt"/>
+                <a:ea typeface="+mn-ea"/>
+                <a:cs typeface="+mn-cs"/>
+              </a:defRPr>
+            </a:lvl4pPr>
+            <a:lvl5pPr marL="1828800" algn="l" defTabSz="914400" rtl="0" eaLnBrk="1" latinLnBrk="0" hangingPunct="1">
+              <a:defRPr sz="1800" kern="1200">
+                <a:solidFill>
+                  <a:schemeClr val="lt1"/>
+                </a:solidFill>
+                <a:latin typeface="+mn-lt"/>
+                <a:ea typeface="+mn-ea"/>
+                <a:cs typeface="+mn-cs"/>
+              </a:defRPr>
+            </a:lvl5pPr>
+            <a:lvl6pPr marL="2286000" algn="l" defTabSz="914400" rtl="0" eaLnBrk="1" latinLnBrk="0" hangingPunct="1">
+              <a:defRPr sz="1800" kern="1200">
+                <a:solidFill>
+                  <a:schemeClr val="lt1"/>
+                </a:solidFill>
+                <a:latin typeface="+mn-lt"/>
+                <a:ea typeface="+mn-ea"/>
+                <a:cs typeface="+mn-cs"/>
+              </a:defRPr>
+            </a:lvl6pPr>
+            <a:lvl7pPr marL="2743200" algn="l" defTabSz="914400" rtl="0" eaLnBrk="1" latinLnBrk="0" hangingPunct="1">
+              <a:defRPr sz="1800" kern="1200">
+                <a:solidFill>
+                  <a:schemeClr val="lt1"/>
+                </a:solidFill>
+                <a:latin typeface="+mn-lt"/>
+                <a:ea typeface="+mn-ea"/>
+                <a:cs typeface="+mn-cs"/>
+              </a:defRPr>
+            </a:lvl7pPr>
+            <a:lvl8pPr marL="3200400" algn="l" defTabSz="914400" rtl="0" eaLnBrk="1" latinLnBrk="0" hangingPunct="1">
+              <a:defRPr sz="1800" kern="1200">
+                <a:solidFill>
+                  <a:schemeClr val="lt1"/>
+                </a:solidFill>
+                <a:latin typeface="+mn-lt"/>
+                <a:ea typeface="+mn-ea"/>
+                <a:cs typeface="+mn-cs"/>
+              </a:defRPr>
+            </a:lvl8pPr>
+            <a:lvl9pPr marL="3657600" algn="l" defTabSz="914400" rtl="0" eaLnBrk="1" latinLnBrk="0" hangingPunct="1">
+              <a:defRPr sz="1800" kern="1200">
+                <a:solidFill>
+                  <a:schemeClr val="lt1"/>
+                </a:solidFill>
+                <a:latin typeface="+mn-lt"/>
+                <a:ea typeface="+mn-ea"/>
+                <a:cs typeface="+mn-cs"/>
+              </a:defRPr>
+            </a:lvl9pPr>
+          </a:lstStyle>
+          <a:p>
+            <a:pPr algn="ctr"/>
+            <a:endParaRPr lang="en-US"/>
+          </a:p>
+        </p:txBody>
+      </p:sp>
+      <p:pic>
+        <p:nvPicPr>
+          <p:cNvPr id="5" name="İçerik Yer Tutucusu 4" descr="metin, ekran görüntüsü, sanat içeren bir resim&#10;&#10;Yapay zeka tarafından oluşturulmuş içerik yanlış olabilir.">
+            <a:extLst>
+              <a:ext uri="{FF2B5EF4-FFF2-40B4-BE49-F238E27FC236}">
+                <a16:creationId xmlns:a16="http://schemas.microsoft.com/office/drawing/2014/main" id="{D299C5B5-511E-AFD7-55CF-281618C2E3B3}"/>
+              </a:ext>
+            </a:extLst>
+          </p:cNvPr>
+          <p:cNvPicPr>
+            <a:picLocks noGrp="1" noChangeAspect="1"/>
+          </p:cNvPicPr>
           <p:nvPr>
             <p:ph idx="1"/>
           </p:nvPr>
-        </p:nvSpPr>
-        <p:spPr/>
-        <p:txBody>
-          <a:bodyPr>
-            <a:normAutofit lnSpcReduction="10000"/>
-          </a:bodyPr>
-          <a:lstStyle/>
-          <a:p>
-            <a:r>
-              <a:rPr lang="tr-TR" dirty="0"/>
-              <a:t>HSV ile veriden renk bilgisi çıkartıldı, her bir HSV kanalından histogram üretildi ve düzeltildi. Histogram boyutu 4 x 4 x 4 = 64.</a:t>
-            </a:r>
-          </a:p>
-          <a:p>
-            <a:r>
-              <a:rPr lang="tr-TR" dirty="0"/>
-              <a:t>HOG ile veriden kenar yapısı, doku ve yapı bilgileri çıkartıldı, bu süreç siyah-beyaz görüntü üzerinde uygulandı. Parametreler;</a:t>
-            </a:r>
-          </a:p>
-          <a:p>
-            <a:r>
-              <a:rPr lang="tr-TR" dirty="0" err="1"/>
-              <a:t>orientations</a:t>
-            </a:r>
-            <a:r>
-              <a:rPr lang="tr-TR" dirty="0"/>
-              <a:t>=6</a:t>
-            </a:r>
-          </a:p>
-          <a:p>
-            <a:r>
-              <a:rPr lang="tr-TR" dirty="0" err="1"/>
-              <a:t>pixels_per_cell</a:t>
-            </a:r>
-            <a:r>
-              <a:rPr lang="tr-TR" dirty="0"/>
-              <a:t>=(16, 16)</a:t>
-            </a:r>
-          </a:p>
-          <a:p>
-            <a:r>
-              <a:rPr lang="tr-TR" dirty="0"/>
-              <a:t>Görüntü boyutu: 128x128</a:t>
-            </a:r>
-          </a:p>
-          <a:p>
-            <a:r>
-              <a:rPr lang="tr-TR" dirty="0"/>
-              <a:t>ML Modeli olarak </a:t>
-            </a:r>
-            <a:r>
-              <a:rPr lang="tr-TR" dirty="0" err="1"/>
-              <a:t>Random</a:t>
-            </a:r>
-            <a:r>
-              <a:rPr lang="tr-TR" dirty="0"/>
-              <a:t> </a:t>
-            </a:r>
-            <a:r>
-              <a:rPr lang="tr-TR" dirty="0" err="1"/>
-              <a:t>Forest</a:t>
-            </a:r>
-            <a:r>
-              <a:rPr lang="tr-TR" dirty="0"/>
-              <a:t> kullanıldı, ilk olarak SVM denendi ama eğitim çok uzun sürdüğü için vazgeçildi. RF de ağaç sayısı olarak 100 optimal değer görüldü.</a:t>
-            </a:r>
-          </a:p>
-        </p:txBody>
-      </p:sp>
+        </p:nvPicPr>
+        <p:blipFill>
+          <a:blip r:embed="rId2"/>
+          <a:srcRect t="7280" r="-2" b="2542"/>
+          <a:stretch>
+            <a:fillRect/>
+          </a:stretch>
+        </p:blipFill>
+        <p:spPr>
+          <a:xfrm>
+            <a:off x="321731" y="557189"/>
+            <a:ext cx="5668684" cy="5743618"/>
+          </a:xfrm>
+          <a:prstGeom prst="rect">
+            <a:avLst/>
+          </a:prstGeom>
+        </p:spPr>
+      </p:pic>
+      <p:pic>
+        <p:nvPicPr>
+          <p:cNvPr id="7" name="Resim 6" descr="metin, ekran görüntüsü, menü içeren bir resim&#10;&#10;Yapay zeka tarafından oluşturulmuş içerik yanlış olabilir.">
+            <a:extLst>
+              <a:ext uri="{FF2B5EF4-FFF2-40B4-BE49-F238E27FC236}">
+                <a16:creationId xmlns:a16="http://schemas.microsoft.com/office/drawing/2014/main" id="{16A604BA-55B9-0521-F276-B349F29D2FEF}"/>
+              </a:ext>
+            </a:extLst>
+          </p:cNvPr>
+          <p:cNvPicPr>
+            <a:picLocks noChangeAspect="1"/>
+          </p:cNvPicPr>
+          <p:nvPr/>
+        </p:nvPicPr>
+        <p:blipFill>
+          <a:blip r:embed="rId3"/>
+          <a:srcRect t="1572" r="-1" b="4553"/>
+          <a:stretch>
+            <a:fillRect/>
+          </a:stretch>
+        </p:blipFill>
+        <p:spPr>
+          <a:xfrm>
+            <a:off x="6195375" y="557189"/>
+            <a:ext cx="5674893" cy="5743618"/>
+          </a:xfrm>
+          <a:prstGeom prst="rect">
+            <a:avLst/>
+          </a:prstGeom>
+        </p:spPr>
+      </p:pic>
     </p:spTree>
     <p:extLst>
       <p:ext uri="{BB962C8B-B14F-4D97-AF65-F5344CB8AC3E}">
-        <p14:creationId xmlns:p14="http://schemas.microsoft.com/office/powerpoint/2010/main" val="3806965061"/>
+        <p14:creationId xmlns:p14="http://schemas.microsoft.com/office/powerpoint/2010/main" val="3481252477"/>
       </p:ext>
     </p:extLst>
   </p:cSld>
@@ -4136,6 +4401,14 @@
 <file path=ppt/slides/slide6.xml><?xml version="1.0" encoding="utf-8"?>
 <p:sld xmlns:a="http://schemas.openxmlformats.org/drawingml/2006/main" xmlns:r="http://schemas.openxmlformats.org/officeDocument/2006/relationships" xmlns:p="http://schemas.openxmlformats.org/presentationml/2006/main">
   <p:cSld>
+    <p:bg>
+      <p:bgPr>
+        <a:solidFill>
+          <a:schemeClr val="bg1"/>
+        </a:solidFill>
+        <a:effectLst/>
+      </p:bgPr>
+    </p:bg>
     <p:spTree>
       <p:nvGrpSpPr>
         <p:cNvPr id="1" name=""/>
@@ -4150,75 +4423,592 @@
           <a:chExt cx="0" cy="0"/>
         </a:xfrm>
       </p:grpSpPr>
-      <p:sp>
-        <p:nvSpPr>
-          <p:cNvPr id="2" name="Başlık 1">
-            <a:extLst>
-              <a:ext uri="{FF2B5EF4-FFF2-40B4-BE49-F238E27FC236}">
-                <a16:creationId xmlns:a16="http://schemas.microsoft.com/office/drawing/2014/main" id="{5C640A0F-CC47-8EA9-7CFA-5F9CAF22E1B6}"/>
-              </a:ext>
-            </a:extLst>
-          </p:cNvPr>
-          <p:cNvSpPr>
-            <a:spLocks noGrp="1"/>
-          </p:cNvSpPr>
-          <p:nvPr>
-            <p:ph type="title"/>
-          </p:nvPr>
-        </p:nvSpPr>
-        <p:spPr/>
-        <p:txBody>
-          <a:bodyPr/>
-          <a:lstStyle/>
-          <a:p>
-            <a:r>
-              <a:rPr lang="tr-TR" dirty="0"/>
-              <a:t>Yöntem Karşılaştırması</a:t>
-            </a:r>
-          </a:p>
-        </p:txBody>
-      </p:sp>
-      <p:sp>
-        <p:nvSpPr>
-          <p:cNvPr id="3" name="İçerik Yer Tutucusu 2">
-            <a:extLst>
-              <a:ext uri="{FF2B5EF4-FFF2-40B4-BE49-F238E27FC236}">
-                <a16:creationId xmlns:a16="http://schemas.microsoft.com/office/drawing/2014/main" id="{7D35ECE8-1E4B-20C4-E441-8B98B7BCE947}"/>
-              </a:ext>
-            </a:extLst>
-          </p:cNvPr>
-          <p:cNvSpPr>
-            <a:spLocks noGrp="1"/>
-          </p:cNvSpPr>
+      <p:pic>
+        <p:nvPicPr>
+          <p:cNvPr id="5" name="İçerik Yer Tutucusu 4" descr="metin, ekran görüntüsü, yazı tipi içeren bir resim&#10;&#10;Yapay zeka tarafından oluşturulmuş içerik yanlış olabilir.">
+            <a:extLst>
+              <a:ext uri="{FF2B5EF4-FFF2-40B4-BE49-F238E27FC236}">
+                <a16:creationId xmlns:a16="http://schemas.microsoft.com/office/drawing/2014/main" id="{93CCCB54-CE31-7EC3-366D-64AAA1C8D253}"/>
+              </a:ext>
+            </a:extLst>
+          </p:cNvPr>
+          <p:cNvPicPr>
+            <a:picLocks noGrp="1" noChangeAspect="1"/>
+          </p:cNvPicPr>
           <p:nvPr>
             <p:ph idx="1"/>
           </p:nvPr>
-        </p:nvSpPr>
-        <p:spPr/>
-        <p:txBody>
-          <a:bodyPr/>
-          <a:lstStyle/>
-          <a:p>
-            <a:r>
-              <a:rPr lang="tr-TR" dirty="0"/>
-              <a:t>İlk veri setinde 2. yöntem %99 gibi bir test sonucuna ulaşırken 1. yöntem %94-96 civarında kalmıştır. 2. yöntemin bu kadar baskın olmasının nedeni veri setindeki her bir sınıftaki görselin çok benzer olması ve çeşitliliğin az olması. HOG ve HSV sayesinde öznitelikler çok benzer olup model çok daha keskin sonuçlar vermiştir.</a:t>
-            </a:r>
-          </a:p>
-          <a:p>
-            <a:endParaRPr lang="tr-TR" dirty="0"/>
-          </a:p>
-          <a:p>
-            <a:r>
-              <a:rPr lang="tr-TR" dirty="0"/>
-              <a:t>İkinci veri setinde görsel çeşitliliği 1. ye nazaran daha fazla olduğu için bu veri setinde çıkan sonuçlar iki yöntemde de benzer olmuştur. Yöntemler arasında büyük bir fark oluşmamıştır.</a:t>
-            </a:r>
-          </a:p>
-        </p:txBody>
-      </p:sp>
+        </p:nvPicPr>
+        <p:blipFill>
+          <a:blip r:embed="rId2"/>
+          <a:stretch>
+            <a:fillRect/>
+          </a:stretch>
+        </p:blipFill>
+        <p:spPr>
+          <a:xfrm>
+            <a:off x="457202" y="876583"/>
+            <a:ext cx="5426764" cy="1795472"/>
+          </a:xfrm>
+          <a:prstGeom prst="rect">
+            <a:avLst/>
+          </a:prstGeom>
+        </p:spPr>
+      </p:pic>
+      <p:sp>
+        <p:nvSpPr>
+          <p:cNvPr id="16" name="Rectangle 15">
+            <a:extLst>
+              <a:ext uri="{FF2B5EF4-FFF2-40B4-BE49-F238E27FC236}">
+                <a16:creationId xmlns:a16="http://schemas.microsoft.com/office/drawing/2014/main" id="{417CDA24-35F8-4540-8C52-3096D6D94949}"/>
+              </a:ext>
+              <a:ext uri="{C183D7F6-B498-43B3-948B-1728B52AA6E4}">
+                <adec:decorative xmlns:adec="http://schemas.microsoft.com/office/drawing/2017/decorative" val="1"/>
+              </a:ext>
+            </a:extLst>
+          </p:cNvPr>
+          <p:cNvSpPr>
+            <a:spLocks noGrp="1" noRot="1" noChangeAspect="1" noMove="1" noResize="1" noEditPoints="1" noAdjustHandles="1" noChangeArrowheads="1" noChangeShapeType="1" noTextEdit="1"/>
+          </p:cNvSpPr>
+          <p:nvPr>
+            <p:extLst>
+              <p:ext uri="{386F3935-93C4-4BCD-93E2-E3B085C9AB24}">
+                <p16:designElem xmlns:p16="http://schemas.microsoft.com/office/powerpoint/2015/main" val="1"/>
+              </p:ext>
+            </p:extLst>
+          </p:nvPr>
+        </p:nvSpPr>
+        <p:spPr>
+          <a:xfrm>
+            <a:off x="6050280" y="0"/>
+            <a:ext cx="91440" cy="6858000"/>
+          </a:xfrm>
+          <a:prstGeom prst="rect">
+            <a:avLst/>
+          </a:prstGeom>
+          <a:solidFill>
+            <a:schemeClr val="tx1">
+              <a:lumMod val="75000"/>
+              <a:lumOff val="25000"/>
+            </a:schemeClr>
+          </a:solidFill>
+          <a:ln>
+            <a:noFill/>
+          </a:ln>
+        </p:spPr>
+        <p:style>
+          <a:lnRef idx="2">
+            <a:schemeClr val="accent1">
+              <a:shade val="50000"/>
+            </a:schemeClr>
+          </a:lnRef>
+          <a:fillRef idx="1">
+            <a:schemeClr val="accent1"/>
+          </a:fillRef>
+          <a:effectRef idx="0">
+            <a:schemeClr val="accent1"/>
+          </a:effectRef>
+          <a:fontRef idx="minor">
+            <a:schemeClr val="lt1"/>
+          </a:fontRef>
+        </p:style>
+        <p:txBody>
+          <a:bodyPr rtlCol="0" anchor="ctr"/>
+          <a:lstStyle/>
+          <a:p>
+            <a:pPr algn="ctr"/>
+            <a:endParaRPr lang="en-US"/>
+          </a:p>
+        </p:txBody>
+      </p:sp>
+      <p:pic>
+        <p:nvPicPr>
+          <p:cNvPr id="7" name="Resim 6" descr="metin, ekran görüntüsü, yazı tipi içeren bir resim&#10;&#10;Yapay zeka tarafından oluşturulmuş içerik yanlış olabilir.">
+            <a:extLst>
+              <a:ext uri="{FF2B5EF4-FFF2-40B4-BE49-F238E27FC236}">
+                <a16:creationId xmlns:a16="http://schemas.microsoft.com/office/drawing/2014/main" id="{166C72A0-B649-BB9C-FC77-58CD6619417E}"/>
+              </a:ext>
+            </a:extLst>
+          </p:cNvPr>
+          <p:cNvPicPr>
+            <a:picLocks noChangeAspect="1"/>
+          </p:cNvPicPr>
+          <p:nvPr/>
+        </p:nvPicPr>
+        <p:blipFill>
+          <a:blip r:embed="rId3"/>
+          <a:stretch>
+            <a:fillRect/>
+          </a:stretch>
+        </p:blipFill>
+        <p:spPr>
+          <a:xfrm>
+            <a:off x="6351752" y="321734"/>
+            <a:ext cx="5025159" cy="2905170"/>
+          </a:xfrm>
+          <a:prstGeom prst="rect">
+            <a:avLst/>
+          </a:prstGeom>
+        </p:spPr>
+      </p:pic>
+      <p:sp>
+        <p:nvSpPr>
+          <p:cNvPr id="18" name="Rectangle 17">
+            <a:extLst>
+              <a:ext uri="{FF2B5EF4-FFF2-40B4-BE49-F238E27FC236}">
+                <a16:creationId xmlns:a16="http://schemas.microsoft.com/office/drawing/2014/main" id="{8658BFE0-4E65-4174-9C75-687C94E88273}"/>
+              </a:ext>
+              <a:ext uri="{C183D7F6-B498-43B3-948B-1728B52AA6E4}">
+                <adec:decorative xmlns:adec="http://schemas.microsoft.com/office/drawing/2017/decorative" val="1"/>
+              </a:ext>
+            </a:extLst>
+          </p:cNvPr>
+          <p:cNvSpPr>
+            <a:spLocks noGrp="1" noRot="1" noChangeAspect="1" noMove="1" noResize="1" noEditPoints="1" noAdjustHandles="1" noChangeArrowheads="1" noChangeShapeType="1" noTextEdit="1"/>
+          </p:cNvSpPr>
+          <p:nvPr>
+            <p:extLst>
+              <p:ext uri="{386F3935-93C4-4BCD-93E2-E3B085C9AB24}">
+                <p16:designElem xmlns:p16="http://schemas.microsoft.com/office/powerpoint/2015/main" val="1"/>
+              </p:ext>
+            </p:extLst>
+          </p:nvPr>
+        </p:nvSpPr>
+        <p:spPr>
+          <a:xfrm>
+            <a:off x="0" y="3383280"/>
+            <a:ext cx="6126480" cy="91440"/>
+          </a:xfrm>
+          <a:prstGeom prst="rect">
+            <a:avLst/>
+          </a:prstGeom>
+          <a:solidFill>
+            <a:schemeClr val="tx1">
+              <a:lumMod val="75000"/>
+              <a:lumOff val="25000"/>
+            </a:schemeClr>
+          </a:solidFill>
+          <a:ln>
+            <a:noFill/>
+          </a:ln>
+        </p:spPr>
+        <p:style>
+          <a:lnRef idx="2">
+            <a:schemeClr val="accent1">
+              <a:shade val="50000"/>
+            </a:schemeClr>
+          </a:lnRef>
+          <a:fillRef idx="1">
+            <a:schemeClr val="accent1"/>
+          </a:fillRef>
+          <a:effectRef idx="0">
+            <a:schemeClr val="accent1"/>
+          </a:effectRef>
+          <a:fontRef idx="minor">
+            <a:schemeClr val="lt1"/>
+          </a:fontRef>
+        </p:style>
+        <p:txBody>
+          <a:bodyPr rtlCol="0" anchor="ctr"/>
+          <a:lstStyle/>
+          <a:p>
+            <a:pPr algn="ctr"/>
+            <a:endParaRPr lang="en-US"/>
+          </a:p>
+        </p:txBody>
+      </p:sp>
+      <p:sp>
+        <p:nvSpPr>
+          <p:cNvPr id="20" name="Rectangle 19">
+            <a:extLst>
+              <a:ext uri="{FF2B5EF4-FFF2-40B4-BE49-F238E27FC236}">
+                <a16:creationId xmlns:a16="http://schemas.microsoft.com/office/drawing/2014/main" id="{FA75DFED-A0C1-4A83-BE1D-0271C1826EF6}"/>
+              </a:ext>
+              <a:ext uri="{C183D7F6-B498-43B3-948B-1728B52AA6E4}">
+                <adec:decorative xmlns:adec="http://schemas.microsoft.com/office/drawing/2017/decorative" val="1"/>
+              </a:ext>
+            </a:extLst>
+          </p:cNvPr>
+          <p:cNvSpPr>
+            <a:spLocks noGrp="1" noRot="1" noChangeAspect="1" noMove="1" noResize="1" noEditPoints="1" noAdjustHandles="1" noChangeArrowheads="1" noChangeShapeType="1" noTextEdit="1"/>
+          </p:cNvSpPr>
+          <p:nvPr>
+            <p:extLst>
+              <p:ext uri="{386F3935-93C4-4BCD-93E2-E3B085C9AB24}">
+                <p16:designElem xmlns:p16="http://schemas.microsoft.com/office/powerpoint/2015/main" val="1"/>
+              </p:ext>
+            </p:extLst>
+          </p:nvPr>
+        </p:nvSpPr>
+        <p:spPr>
+          <a:xfrm>
+            <a:off x="6065520" y="3383280"/>
+            <a:ext cx="6126480" cy="91440"/>
+          </a:xfrm>
+          <a:prstGeom prst="rect">
+            <a:avLst/>
+          </a:prstGeom>
+          <a:solidFill>
+            <a:schemeClr val="tx1">
+              <a:lumMod val="75000"/>
+              <a:lumOff val="25000"/>
+            </a:schemeClr>
+          </a:solidFill>
+          <a:ln>
+            <a:noFill/>
+          </a:ln>
+        </p:spPr>
+        <p:style>
+          <a:lnRef idx="2">
+            <a:schemeClr val="accent1">
+              <a:shade val="50000"/>
+            </a:schemeClr>
+          </a:lnRef>
+          <a:fillRef idx="1">
+            <a:schemeClr val="accent1"/>
+          </a:fillRef>
+          <a:effectRef idx="0">
+            <a:schemeClr val="accent1"/>
+          </a:effectRef>
+          <a:fontRef idx="minor">
+            <a:schemeClr val="lt1"/>
+          </a:fontRef>
+        </p:style>
+        <p:txBody>
+          <a:bodyPr rtlCol="0" anchor="ctr"/>
+          <a:lstStyle/>
+          <a:p>
+            <a:pPr algn="ctr"/>
+            <a:endParaRPr lang="en-US"/>
+          </a:p>
+        </p:txBody>
+      </p:sp>
+      <p:pic>
+        <p:nvPicPr>
+          <p:cNvPr id="11" name="Resim 10" descr="metin, ekran görüntüsü, yazı tipi, yazılım içeren bir resim&#10;&#10;Yapay zeka tarafından oluşturulmuş içerik yanlış olabilir.">
+            <a:extLst>
+              <a:ext uri="{FF2B5EF4-FFF2-40B4-BE49-F238E27FC236}">
+                <a16:creationId xmlns:a16="http://schemas.microsoft.com/office/drawing/2014/main" id="{CD37E80C-9F31-2687-9460-7AA0ECEB6270}"/>
+              </a:ext>
+            </a:extLst>
+          </p:cNvPr>
+          <p:cNvPicPr>
+            <a:picLocks noChangeAspect="1"/>
+          </p:cNvPicPr>
+          <p:nvPr/>
+        </p:nvPicPr>
+        <p:blipFill>
+          <a:blip r:embed="rId4"/>
+          <a:stretch>
+            <a:fillRect/>
+          </a:stretch>
+        </p:blipFill>
+        <p:spPr>
+          <a:xfrm>
+            <a:off x="457201" y="4271979"/>
+            <a:ext cx="5426764" cy="1478793"/>
+          </a:xfrm>
+          <a:prstGeom prst="rect">
+            <a:avLst/>
+          </a:prstGeom>
+        </p:spPr>
+      </p:pic>
+      <p:pic>
+        <p:nvPicPr>
+          <p:cNvPr id="9" name="Resim 8" descr="metin, ekran görüntüsü, yazı tipi içeren bir resim&#10;&#10;Yapay zeka tarafından oluşturulmuş içerik yanlış olabilir.">
+            <a:extLst>
+              <a:ext uri="{FF2B5EF4-FFF2-40B4-BE49-F238E27FC236}">
+                <a16:creationId xmlns:a16="http://schemas.microsoft.com/office/drawing/2014/main" id="{174C691F-1615-D66A-D851-79789D21AC7E}"/>
+              </a:ext>
+            </a:extLst>
+          </p:cNvPr>
+          <p:cNvPicPr>
+            <a:picLocks noChangeAspect="1"/>
+          </p:cNvPicPr>
+          <p:nvPr/>
+        </p:nvPicPr>
+        <p:blipFill>
+          <a:blip r:embed="rId5"/>
+          <a:stretch>
+            <a:fillRect/>
+          </a:stretch>
+        </p:blipFill>
+        <p:spPr>
+          <a:xfrm>
+            <a:off x="6308034" y="3863791"/>
+            <a:ext cx="5112595" cy="2295170"/>
+          </a:xfrm>
+          <a:prstGeom prst="rect">
+            <a:avLst/>
+          </a:prstGeom>
+        </p:spPr>
+      </p:pic>
     </p:spTree>
     <p:extLst>
       <p:ext uri="{BB962C8B-B14F-4D97-AF65-F5344CB8AC3E}">
-        <p14:creationId xmlns:p14="http://schemas.microsoft.com/office/powerpoint/2010/main" val="2316513929"/>
+        <p14:creationId xmlns:p14="http://schemas.microsoft.com/office/powerpoint/2010/main" val="1221809069"/>
+      </p:ext>
+    </p:extLst>
+  </p:cSld>
+  <p:clrMapOvr>
+    <a:masterClrMapping/>
+  </p:clrMapOvr>
+</p:sld>
+</file>
+
+<file path=ppt/slides/slide7.xml><?xml version="1.0" encoding="utf-8"?>
+<p:sld xmlns:a="http://schemas.openxmlformats.org/drawingml/2006/main" xmlns:r="http://schemas.openxmlformats.org/officeDocument/2006/relationships" xmlns:p="http://schemas.openxmlformats.org/presentationml/2006/main">
+  <p:cSld>
+    <p:bg>
+      <p:bgPr>
+        <a:solidFill>
+          <a:schemeClr val="bg1"/>
+        </a:solidFill>
+        <a:effectLst/>
+      </p:bgPr>
+    </p:bg>
+    <p:spTree>
+      <p:nvGrpSpPr>
+        <p:cNvPr id="1" name=""/>
+        <p:cNvGrpSpPr/>
+        <p:nvPr/>
+      </p:nvGrpSpPr>
+      <p:grpSpPr>
+        <a:xfrm>
+          <a:off x="0" y="0"/>
+          <a:ext cx="0" cy="0"/>
+          <a:chOff x="0" y="0"/>
+          <a:chExt cx="0" cy="0"/>
+        </a:xfrm>
+      </p:grpSpPr>
+      <p:pic>
+        <p:nvPicPr>
+          <p:cNvPr id="5" name="İçerik Yer Tutucusu 4" descr="metin, ekran görüntüsü, menü içeren bir resim&#10;&#10;Yapay zeka tarafından oluşturulmuş içerik yanlış olabilir.">
+            <a:extLst>
+              <a:ext uri="{FF2B5EF4-FFF2-40B4-BE49-F238E27FC236}">
+                <a16:creationId xmlns:a16="http://schemas.microsoft.com/office/drawing/2014/main" id="{70D5E8F2-DBFD-FEA4-00F9-EBAB9DC9B4EA}"/>
+              </a:ext>
+            </a:extLst>
+          </p:cNvPr>
+          <p:cNvPicPr>
+            <a:picLocks noGrp="1" noChangeAspect="1"/>
+          </p:cNvPicPr>
+          <p:nvPr>
+            <p:ph idx="1"/>
+          </p:nvPr>
+        </p:nvPicPr>
+        <p:blipFill>
+          <a:blip r:embed="rId2"/>
+          <a:stretch>
+            <a:fillRect/>
+          </a:stretch>
+        </p:blipFill>
+        <p:spPr>
+          <a:xfrm>
+            <a:off x="1265554" y="321734"/>
+            <a:ext cx="3810059" cy="2905170"/>
+          </a:xfrm>
+          <a:prstGeom prst="rect">
+            <a:avLst/>
+          </a:prstGeom>
+        </p:spPr>
+      </p:pic>
+      <p:pic>
+        <p:nvPicPr>
+          <p:cNvPr id="9" name="Resim 8" descr="metin, ekran görüntüsü, yazı tipi, yazılım içeren bir resim&#10;&#10;Yapay zeka tarafından oluşturulmuş içerik yanlış olabilir.">
+            <a:extLst>
+              <a:ext uri="{FF2B5EF4-FFF2-40B4-BE49-F238E27FC236}">
+                <a16:creationId xmlns:a16="http://schemas.microsoft.com/office/drawing/2014/main" id="{02614AB4-4272-A34C-84CF-8DA43724C1B1}"/>
+              </a:ext>
+            </a:extLst>
+          </p:cNvPr>
+          <p:cNvPicPr>
+            <a:picLocks noChangeAspect="1"/>
+          </p:cNvPicPr>
+          <p:nvPr/>
+        </p:nvPicPr>
+        <p:blipFill>
+          <a:blip r:embed="rId3"/>
+          <a:stretch>
+            <a:fillRect/>
+          </a:stretch>
+        </p:blipFill>
+        <p:spPr>
+          <a:xfrm>
+            <a:off x="477354" y="3631096"/>
+            <a:ext cx="5386457" cy="2760560"/>
+          </a:xfrm>
+          <a:prstGeom prst="rect">
+            <a:avLst/>
+          </a:prstGeom>
+        </p:spPr>
+      </p:pic>
+      <p:sp>
+        <p:nvSpPr>
+          <p:cNvPr id="14" name="Rectangle 13">
+            <a:extLst>
+              <a:ext uri="{FF2B5EF4-FFF2-40B4-BE49-F238E27FC236}">
+                <a16:creationId xmlns:a16="http://schemas.microsoft.com/office/drawing/2014/main" id="{799448F2-0E5B-42DA-B2D1-11A14E947BD4}"/>
+              </a:ext>
+              <a:ext uri="{C183D7F6-B498-43B3-948B-1728B52AA6E4}">
+                <adec:decorative xmlns:adec="http://schemas.microsoft.com/office/drawing/2017/decorative" val="1"/>
+              </a:ext>
+            </a:extLst>
+          </p:cNvPr>
+          <p:cNvSpPr>
+            <a:spLocks noGrp="1" noRot="1" noChangeAspect="1" noMove="1" noResize="1" noEditPoints="1" noAdjustHandles="1" noChangeArrowheads="1" noChangeShapeType="1" noTextEdit="1"/>
+          </p:cNvSpPr>
+          <p:nvPr>
+            <p:extLst>
+              <p:ext uri="{386F3935-93C4-4BCD-93E2-E3B085C9AB24}">
+                <p16:designElem xmlns:p16="http://schemas.microsoft.com/office/powerpoint/2015/main" val="1"/>
+              </p:ext>
+            </p:extLst>
+          </p:nvPr>
+        </p:nvSpPr>
+        <p:spPr>
+          <a:xfrm>
+            <a:off x="6050280" y="0"/>
+            <a:ext cx="91440" cy="6858000"/>
+          </a:xfrm>
+          <a:prstGeom prst="rect">
+            <a:avLst/>
+          </a:prstGeom>
+          <a:solidFill>
+            <a:schemeClr val="tx1">
+              <a:lumMod val="75000"/>
+              <a:lumOff val="25000"/>
+            </a:schemeClr>
+          </a:solidFill>
+          <a:ln>
+            <a:noFill/>
+          </a:ln>
+        </p:spPr>
+        <p:style>
+          <a:lnRef idx="2">
+            <a:schemeClr val="accent1">
+              <a:shade val="50000"/>
+            </a:schemeClr>
+          </a:lnRef>
+          <a:fillRef idx="1">
+            <a:schemeClr val="accent1"/>
+          </a:fillRef>
+          <a:effectRef idx="0">
+            <a:schemeClr val="accent1"/>
+          </a:effectRef>
+          <a:fontRef idx="minor">
+            <a:schemeClr val="lt1"/>
+          </a:fontRef>
+        </p:style>
+        <p:txBody>
+          <a:bodyPr rtlCol="0" anchor="ctr"/>
+          <a:lstStyle/>
+          <a:p>
+            <a:pPr algn="ctr"/>
+            <a:endParaRPr lang="en-US"/>
+          </a:p>
+        </p:txBody>
+      </p:sp>
+      <p:sp>
+        <p:nvSpPr>
+          <p:cNvPr id="16" name="Rectangle 15">
+            <a:extLst>
+              <a:ext uri="{FF2B5EF4-FFF2-40B4-BE49-F238E27FC236}">
+                <a16:creationId xmlns:a16="http://schemas.microsoft.com/office/drawing/2014/main" id="{4E8A7552-20E1-4F34-ADAB-C1DB6634D47E}"/>
+              </a:ext>
+              <a:ext uri="{C183D7F6-B498-43B3-948B-1728B52AA6E4}">
+                <adec:decorative xmlns:adec="http://schemas.microsoft.com/office/drawing/2017/decorative" val="1"/>
+              </a:ext>
+            </a:extLst>
+          </p:cNvPr>
+          <p:cNvSpPr>
+            <a:spLocks noGrp="1" noRot="1" noChangeAspect="1" noMove="1" noResize="1" noEditPoints="1" noAdjustHandles="1" noChangeArrowheads="1" noChangeShapeType="1" noTextEdit="1"/>
+          </p:cNvSpPr>
+          <p:nvPr>
+            <p:extLst>
+              <p:ext uri="{386F3935-93C4-4BCD-93E2-E3B085C9AB24}">
+                <p16:designElem xmlns:p16="http://schemas.microsoft.com/office/powerpoint/2015/main" val="1"/>
+              </p:ext>
+            </p:extLst>
+          </p:nvPr>
+        </p:nvSpPr>
+        <p:spPr>
+          <a:xfrm>
+            <a:off x="0" y="3383280"/>
+            <a:ext cx="6126480" cy="91440"/>
+          </a:xfrm>
+          <a:prstGeom prst="rect">
+            <a:avLst/>
+          </a:prstGeom>
+          <a:solidFill>
+            <a:schemeClr val="tx1">
+              <a:lumMod val="75000"/>
+              <a:lumOff val="25000"/>
+            </a:schemeClr>
+          </a:solidFill>
+          <a:ln>
+            <a:noFill/>
+          </a:ln>
+        </p:spPr>
+        <p:style>
+          <a:lnRef idx="2">
+            <a:schemeClr val="accent1">
+              <a:shade val="50000"/>
+            </a:schemeClr>
+          </a:lnRef>
+          <a:fillRef idx="1">
+            <a:schemeClr val="accent1"/>
+          </a:fillRef>
+          <a:effectRef idx="0">
+            <a:schemeClr val="accent1"/>
+          </a:effectRef>
+          <a:fontRef idx="minor">
+            <a:schemeClr val="lt1"/>
+          </a:fontRef>
+        </p:style>
+        <p:txBody>
+          <a:bodyPr rtlCol="0" anchor="ctr"/>
+          <a:lstStyle/>
+          <a:p>
+            <a:pPr algn="ctr"/>
+            <a:endParaRPr lang="en-US"/>
+          </a:p>
+        </p:txBody>
+      </p:sp>
+      <p:pic>
+        <p:nvPicPr>
+          <p:cNvPr id="7" name="Resim 6" descr="metin, ekran görüntüsü, menü, tasarım içeren bir resim&#10;&#10;Yapay zeka tarafından oluşturulmuş içerik yanlış olabilir.">
+            <a:extLst>
+              <a:ext uri="{FF2B5EF4-FFF2-40B4-BE49-F238E27FC236}">
+                <a16:creationId xmlns:a16="http://schemas.microsoft.com/office/drawing/2014/main" id="{48C8D429-DB62-DD4E-4269-5F295B15F685}"/>
+              </a:ext>
+            </a:extLst>
+          </p:cNvPr>
+          <p:cNvPicPr>
+            <a:picLocks noChangeAspect="1"/>
+          </p:cNvPicPr>
+          <p:nvPr/>
+        </p:nvPicPr>
+        <p:blipFill>
+          <a:blip r:embed="rId4"/>
+          <a:stretch>
+            <a:fillRect/>
+          </a:stretch>
+        </p:blipFill>
+        <p:spPr>
+          <a:xfrm>
+            <a:off x="6350650" y="321734"/>
+            <a:ext cx="5341531" cy="6069922"/>
+          </a:xfrm>
+          <a:prstGeom prst="rect">
+            <a:avLst/>
+          </a:prstGeom>
+        </p:spPr>
+      </p:pic>
+    </p:spTree>
+    <p:extLst>
+      <p:ext uri="{BB962C8B-B14F-4D97-AF65-F5344CB8AC3E}">
+        <p14:creationId xmlns:p14="http://schemas.microsoft.com/office/powerpoint/2010/main" val="1322811020"/>
       </p:ext>
     </p:extLst>
   </p:cSld>
